--- a/output/Perpay_Indego_Presentation_final.pptx
+++ b/output/Perpay_Indego_Presentation_final.pptx
@@ -736,11 +736,31 @@
           <a:p>
             <a:r>
               <a:rPr lang="en-US" dirty="0"/>
-              <a:t>Full Analysis and note books can </a:t>
-            </a:r>
-            <a:r>
-              <a:rPr lang="en-US"/>
-              <a:t>be found at </a:t>
+              <a:t>Full Analysis and code can be found at: https://</a:t>
+            </a:r>
+            <a:r>
+              <a:rPr lang="en-US" dirty="0" err="1"/>
+              <a:t>github.com</a:t>
+            </a:r>
+            <a:r>
+              <a:rPr lang="en-US" dirty="0"/>
+              <a:t>/</a:t>
+            </a:r>
+            <a:r>
+              <a:rPr lang="en-US" dirty="0" err="1"/>
+              <a:t>theroyalbob</a:t>
+            </a:r>
+            <a:r>
+              <a:rPr lang="en-US" dirty="0"/>
+              <a:t>/</a:t>
+            </a:r>
+            <a:r>
+              <a:rPr lang="en-US" dirty="0" err="1"/>
+              <a:t>perpay</a:t>
+            </a:r>
+            <a:r>
+              <a:rPr lang="en-US"/>
+              <a:t>-application</a:t>
             </a:r>
             <a:endParaRPr lang="en-US" dirty="0"/>
           </a:p>
